--- a/_modules/domain-specific-accelerators/Intro.pptx
+++ b/_modules/domain-specific-accelerators/Intro.pptx
@@ -5,10 +5,10 @@
     <p:sldMasterId id="2147483649" r:id="rId1"/>
   </p:sldMasterIdLst>
   <p:notesMasterIdLst>
-    <p:notesMasterId r:id="rId14"/>
+    <p:notesMasterId r:id="rId15"/>
   </p:notesMasterIdLst>
   <p:handoutMasterIdLst>
-    <p:handoutMasterId r:id="rId15"/>
+    <p:handoutMasterId r:id="rId16"/>
   </p:handoutMasterIdLst>
   <p:sldIdLst>
     <p:sldId id="256" r:id="rId2"/>
@@ -23,6 +23,7 @@
     <p:sldId id="297" r:id="rId11"/>
     <p:sldId id="298" r:id="rId12"/>
     <p:sldId id="299" r:id="rId13"/>
+    <p:sldId id="300" r:id="rId14"/>
   </p:sldIdLst>
   <p:sldSz cx="9144000" cy="6858000" type="screen4x3"/>
   <p:notesSz cx="6858000" cy="9144000"/>
@@ -284,7 +285,7 @@
               <a:pPr>
                 <a:defRPr/>
               </a:pPr>
-              <a:t>8/18/24</a:t>
+              <a:t>1/9/26</a:t>
             </a:fld>
             <a:endParaRPr lang="en-US"/>
           </a:p>
@@ -4038,7 +4039,7 @@
                 <a:ea typeface="ＭＳ Ｐゴシック" panose="020B0600070205080204" pitchFamily="34" charset="-128"/>
                 <a:cs typeface="ＭＳ Ｐゴシック" panose="020B0600070205080204" pitchFamily="34" charset="-128"/>
               </a:rPr>
-              <a:t>:  3:00 – 4:00 MWF</a:t>
+              <a:t>:  2:00 – 3:00 MWF</a:t>
             </a:r>
           </a:p>
           <a:p>
@@ -4061,7 +4062,7 @@
                 <a:ea typeface="ＭＳ Ｐゴシック" panose="020B0600070205080204" pitchFamily="34" charset="-128"/>
                 <a:cs typeface="ＭＳ Ｐゴシック" panose="020B0600070205080204" pitchFamily="34" charset="-128"/>
               </a:rPr>
-              <a:t>/classes/#eecs-5013-domain-specific-accelerators</a:t>
+              <a:t>/classes/domain-specific-accelerators</a:t>
             </a:r>
           </a:p>
         </p:txBody>
@@ -4275,8 +4276,8 @@
         </p:nvSpPr>
         <p:spPr>
           <a:xfrm>
-            <a:off x="1524000" y="1752600"/>
-            <a:ext cx="5923416" cy="3416320"/>
+            <a:off x="914400" y="1524000"/>
+            <a:ext cx="7443704" cy="4524315"/>
           </a:xfrm>
           <a:prstGeom prst="rect">
             <a:avLst/>
@@ -4295,12 +4296,54 @@
             </a:r>
           </a:p>
           <a:p>
+            <a:r>
+              <a:rPr lang="en-US" dirty="0"/>
+              <a:t>-Generalization versus Specialization</a:t>
+            </a:r>
+          </a:p>
+          <a:p>
+            <a:r>
+              <a:rPr lang="en-US" dirty="0"/>
+              <a:t>-Hardware design/challenges for AI and Machine Learning</a:t>
+            </a:r>
+          </a:p>
+          <a:p>
+            <a:r>
+              <a:rPr lang="en-US" dirty="0"/>
+              <a:t>-Architectures for Data Level Parallelism</a:t>
+            </a:r>
+          </a:p>
+          <a:p>
+            <a:r>
+              <a:rPr lang="en-US" dirty="0"/>
+              <a:t>	SIMD Array Processors</a:t>
+            </a:r>
+          </a:p>
+          <a:p>
+            <a:r>
+              <a:rPr lang="en-US" dirty="0"/>
+              <a:t>	Systolic Arrays</a:t>
+            </a:r>
+          </a:p>
+          <a:p>
+            <a:r>
+              <a:rPr lang="en-US" dirty="0"/>
+              <a:t>-Architecture Approaches for ML/Big Data</a:t>
+            </a:r>
+          </a:p>
+          <a:p>
+            <a:r>
+              <a:rPr lang="en-US" dirty="0"/>
+              <a:t>	Processor near/in Memory architectures</a:t>
+            </a:r>
+          </a:p>
+          <a:p>
             <a:endParaRPr lang="en-US" dirty="0"/>
           </a:p>
           <a:p>
             <a:r>
               <a:rPr lang="en-US" dirty="0"/>
-              <a:t>Array Processors/Systolic Arrays</a:t>
+              <a:t>-Case Studies</a:t>
             </a:r>
           </a:p>
           <a:p>
@@ -4309,25 +4352,7 @@
           <a:p>
             <a:r>
               <a:rPr lang="en-US" dirty="0"/>
-              <a:t>Processor near/in Memory architectures</a:t>
-            </a:r>
-          </a:p>
-          <a:p>
-            <a:endParaRPr lang="en-US" dirty="0"/>
-          </a:p>
-          <a:p>
-            <a:r>
-              <a:rPr lang="en-US" dirty="0"/>
-              <a:t>Case Studies</a:t>
-            </a:r>
-          </a:p>
-          <a:p>
-            <a:endParaRPr lang="en-US" dirty="0"/>
-          </a:p>
-          <a:p>
-            <a:r>
-              <a:rPr lang="en-US" dirty="0"/>
-              <a:t>Crystal Ball gazing:</a:t>
+              <a:t>-Crystal Ball gazing:</a:t>
             </a:r>
           </a:p>
         </p:txBody>
@@ -4439,8 +4464,8 @@
         </p:nvSpPr>
         <p:spPr>
           <a:xfrm>
-            <a:off x="609600" y="1295400"/>
-            <a:ext cx="8153400" cy="5105400"/>
+            <a:off x="914400" y="1295400"/>
+            <a:ext cx="7620000" cy="5105400"/>
           </a:xfrm>
         </p:spPr>
         <p:txBody>
@@ -4456,7 +4481,7 @@
                 <a:ea typeface="ＭＳ Ｐゴシック" panose="020B0600070205080204" pitchFamily="34" charset="-128"/>
                 <a:cs typeface="ＭＳ Ｐゴシック" panose="020B0600070205080204" pitchFamily="34" charset="-128"/>
               </a:rPr>
-              <a:t>Advanced Senior Level/Graduate Class:  Topics and technologies continue to develop.   Materials are from Conferences/Journals and not textbooks.</a:t>
+              <a:t>Advanced Senior Level/Graduate Class:  </a:t>
             </a:r>
           </a:p>
           <a:p>
@@ -4464,10 +4489,20 @@
               <a:buNone/>
               <a:defRPr/>
             </a:pPr>
-            <a:endParaRPr lang="en-US" altLang="en-US" dirty="0">
-              <a:ea typeface="ＭＳ Ｐゴシック" panose="020B0600070205080204" pitchFamily="34" charset="-128"/>
-              <a:cs typeface="ＭＳ Ｐゴシック" panose="020B0600070205080204" pitchFamily="34" charset="-128"/>
-            </a:endParaRPr>
+            <a:r>
+              <a:rPr lang="en-US" altLang="en-US" dirty="0">
+                <a:ea typeface="ＭＳ Ｐゴシック" panose="020B0600070205080204" pitchFamily="34" charset="-128"/>
+                <a:cs typeface="ＭＳ Ｐゴシック" panose="020B0600070205080204" pitchFamily="34" charset="-128"/>
+              </a:rPr>
+              <a:t>	</a:t>
+            </a:r>
+            <a:r>
+              <a:rPr lang="en-US" altLang="en-US" sz="2400" dirty="0">
+                <a:ea typeface="ＭＳ Ｐゴシック" panose="020B0600070205080204" pitchFamily="34" charset="-128"/>
+                <a:cs typeface="ＭＳ Ｐゴシック" panose="020B0600070205080204" pitchFamily="34" charset="-128"/>
+              </a:rPr>
+              <a:t>Topics and technologies continue to develop.   </a:t>
+            </a:r>
           </a:p>
           <a:p>
             <a:pPr marL="0" indent="0">
@@ -4475,11 +4510,18 @@
               <a:defRPr/>
             </a:pPr>
             <a:r>
+              <a:rPr lang="en-US" altLang="en-US" sz="2400" dirty="0">
+                <a:ea typeface="ＭＳ Ｐゴシック" panose="020B0600070205080204" pitchFamily="34" charset="-128"/>
+                <a:cs typeface="ＭＳ Ｐゴシック" panose="020B0600070205080204" pitchFamily="34" charset="-128"/>
+              </a:rPr>
+              <a:t>	Materials are from Conferences/Journals and 	not textbooks</a:t>
+            </a:r>
+            <a:r>
               <a:rPr lang="en-US" altLang="en-US" dirty="0">
                 <a:ea typeface="ＭＳ Ｐゴシック" panose="020B0600070205080204" pitchFamily="34" charset="-128"/>
                 <a:cs typeface="ＭＳ Ｐゴシック" panose="020B0600070205080204" pitchFamily="34" charset="-128"/>
               </a:rPr>
-              <a:t>-Attend Class!</a:t>
+              <a:t>.</a:t>
             </a:r>
           </a:p>
           <a:p>
@@ -4492,6 +4534,39 @@
                 <a:ea typeface="ＭＳ Ｐゴシック" panose="020B0600070205080204" pitchFamily="34" charset="-128"/>
                 <a:cs typeface="ＭＳ Ｐゴシック" panose="020B0600070205080204" pitchFamily="34" charset="-128"/>
               </a:rPr>
+              <a:t>How to be successful in this class</a:t>
+            </a:r>
+          </a:p>
+          <a:p>
+            <a:pPr marL="0" indent="0">
+              <a:buNone/>
+              <a:defRPr/>
+            </a:pPr>
+            <a:r>
+              <a:rPr lang="en-US" altLang="en-US" dirty="0">
+                <a:ea typeface="ＭＳ Ｐゴシック" panose="020B0600070205080204" pitchFamily="34" charset="-128"/>
+                <a:cs typeface="ＭＳ Ｐゴシック" panose="020B0600070205080204" pitchFamily="34" charset="-128"/>
+              </a:rPr>
+              <a:t>-</a:t>
+            </a:r>
+            <a:r>
+              <a:rPr lang="en-US" altLang="en-US" i="1" dirty="0">
+                <a:ea typeface="ＭＳ Ｐゴシック" panose="020B0600070205080204" pitchFamily="34" charset="-128"/>
+                <a:cs typeface="ＭＳ Ｐゴシック" panose="020B0600070205080204" pitchFamily="34" charset="-128"/>
+              </a:rPr>
+              <a:t>Attend Class!</a:t>
+            </a:r>
+          </a:p>
+          <a:p>
+            <a:pPr marL="0" indent="0">
+              <a:buNone/>
+              <a:defRPr/>
+            </a:pPr>
+            <a:r>
+              <a:rPr lang="en-US" altLang="en-US" dirty="0">
+                <a:ea typeface="ＭＳ Ｐゴシック" panose="020B0600070205080204" pitchFamily="34" charset="-128"/>
+                <a:cs typeface="ＭＳ Ｐゴシック" panose="020B0600070205080204" pitchFamily="34" charset="-128"/>
+              </a:rPr>
               <a:t>-Read papers before we discuss in class</a:t>
             </a:r>
           </a:p>
@@ -4501,11 +4576,24 @@
               <a:defRPr/>
             </a:pPr>
             <a:r>
+              <a:rPr lang="en-US" altLang="en-US" i="1" dirty="0">
+                <a:ea typeface="ＭＳ Ｐゴシック" panose="020B0600070205080204" pitchFamily="34" charset="-128"/>
+                <a:cs typeface="ＭＳ Ｐゴシック" panose="020B0600070205080204" pitchFamily="34" charset="-128"/>
+              </a:rPr>
+              <a:t>-Attend class!</a:t>
+            </a:r>
+          </a:p>
+          <a:p>
+            <a:pPr marL="0" indent="0">
+              <a:buNone/>
+              <a:defRPr/>
+            </a:pPr>
+            <a:r>
               <a:rPr lang="en-US" altLang="en-US" dirty="0">
                 <a:ea typeface="ＭＳ Ｐゴシック" panose="020B0600070205080204" pitchFamily="34" charset="-128"/>
                 <a:cs typeface="ＭＳ Ｐゴシック" panose="020B0600070205080204" pitchFamily="34" charset="-128"/>
               </a:rPr>
-              <a:t>-Attend class!</a:t>
+              <a:t>-Come prepared to engage in discussions</a:t>
             </a:r>
           </a:p>
           <a:p>
@@ -4518,20 +4606,14 @@
                 <a:ea typeface="ＭＳ Ｐゴシック" panose="020B0600070205080204" pitchFamily="34" charset="-128"/>
                 <a:cs typeface="ＭＳ Ｐゴシック" panose="020B0600070205080204" pitchFamily="34" charset="-128"/>
               </a:rPr>
-              <a:t>-Come prepared to engage in discussions</a:t>
-            </a:r>
-          </a:p>
-          <a:p>
-            <a:pPr marL="0" indent="0">
-              <a:buNone/>
-              <a:defRPr/>
-            </a:pPr>
-            <a:r>
-              <a:rPr lang="en-US" altLang="en-US" dirty="0">
-                <a:ea typeface="ＭＳ Ｐゴシック" panose="020B0600070205080204" pitchFamily="34" charset="-128"/>
-                <a:cs typeface="ＭＳ Ｐゴシック" panose="020B0600070205080204" pitchFamily="34" charset="-128"/>
-              </a:rPr>
-              <a:t>-Attend Class!</a:t>
+              <a:t>-</a:t>
+            </a:r>
+            <a:r>
+              <a:rPr lang="en-US" altLang="en-US" i="1" dirty="0">
+                <a:ea typeface="ＭＳ Ｐゴシック" panose="020B0600070205080204" pitchFamily="34" charset="-128"/>
+                <a:cs typeface="ＭＳ Ｐゴシック" panose="020B0600070205080204" pitchFamily="34" charset="-128"/>
+              </a:rPr>
+              <a:t>Attend Class!</a:t>
             </a:r>
           </a:p>
           <a:p>
@@ -4673,7 +4755,7 @@
         <p:spPr>
           <a:xfrm>
             <a:off x="2209800" y="1600200"/>
-            <a:ext cx="4343400" cy="4572000"/>
+            <a:ext cx="5181600" cy="4572000"/>
           </a:xfrm>
         </p:spPr>
         <p:txBody>
@@ -4689,7 +4771,7 @@
                 <a:ea typeface="ＭＳ Ｐゴシック" panose="020B0600070205080204" pitchFamily="34" charset="-128"/>
                 <a:cs typeface="ＭＳ Ｐゴシック" panose="020B0600070205080204" pitchFamily="34" charset="-128"/>
               </a:rPr>
-              <a:t>Presentations:	30%</a:t>
+              <a:t>Group Presentations:	30%</a:t>
             </a:r>
           </a:p>
           <a:p>
@@ -4712,7 +4794,7 @@
                 <a:ea typeface="ＭＳ Ｐゴシック" panose="020B0600070205080204" pitchFamily="34" charset="-128"/>
                 <a:cs typeface="ＭＳ Ｐゴシック" panose="020B0600070205080204" pitchFamily="34" charset="-128"/>
               </a:rPr>
-              <a:t>Quizzes:		30%</a:t>
+              <a:t>Quizzes:			30%</a:t>
             </a:r>
           </a:p>
           <a:p>
@@ -4735,7 +4817,7 @@
                 <a:ea typeface="ＭＳ Ｐゴシック" panose="020B0600070205080204" pitchFamily="34" charset="-128"/>
                 <a:cs typeface="ＭＳ Ｐゴシック" panose="020B0600070205080204" pitchFamily="34" charset="-128"/>
               </a:rPr>
-              <a:t>Participation:	10%</a:t>
+              <a:t>Class Participation:	10%</a:t>
             </a:r>
           </a:p>
           <a:p>
@@ -4758,7 +4840,7 @@
                 <a:ea typeface="ＭＳ Ｐゴシック" panose="020B0600070205080204" pitchFamily="34" charset="-128"/>
                 <a:cs typeface="ＭＳ Ｐゴシック" panose="020B0600070205080204" pitchFamily="34" charset="-128"/>
               </a:rPr>
-              <a:t>Final Project:	30%</a:t>
+              <a:t>Final Project:		30%</a:t>
             </a:r>
           </a:p>
           <a:p>
@@ -4786,6 +4868,130 @@
     <p:extLst>
       <p:ext uri="{BB962C8B-B14F-4D97-AF65-F5344CB8AC3E}">
         <p14:creationId xmlns:p14="http://schemas.microsoft.com/office/powerpoint/2010/main" val="2233004614"/>
+      </p:ext>
+    </p:extLst>
+  </p:cSld>
+  <p:clrMapOvr>
+    <a:masterClrMapping/>
+  </p:clrMapOvr>
+</p:sld>
+</file>
+
+<file path=ppt/slides/slide13.xml><?xml version="1.0" encoding="utf-8"?>
+<p:sld xmlns:a="http://schemas.openxmlformats.org/drawingml/2006/main" xmlns:r="http://schemas.openxmlformats.org/officeDocument/2006/relationships" xmlns:p="http://schemas.openxmlformats.org/presentationml/2006/main">
+  <p:cSld>
+    <p:spTree>
+      <p:nvGrpSpPr>
+        <p:cNvPr id="1" name=""/>
+        <p:cNvGrpSpPr/>
+        <p:nvPr/>
+      </p:nvGrpSpPr>
+      <p:grpSpPr>
+        <a:xfrm>
+          <a:off x="0" y="0"/>
+          <a:ext cx="0" cy="0"/>
+          <a:chOff x="0" y="0"/>
+          <a:chExt cx="0" cy="0"/>
+        </a:xfrm>
+      </p:grpSpPr>
+      <p:sp>
+        <p:nvSpPr>
+          <p:cNvPr id="2" name="Title 1">
+            <a:extLst>
+              <a:ext uri="{FF2B5EF4-FFF2-40B4-BE49-F238E27FC236}">
+                <a16:creationId xmlns:a16="http://schemas.microsoft.com/office/drawing/2014/main" id="{FEEF9A3F-AD56-5D68-DF5F-9EE3B93222BA}"/>
+              </a:ext>
+            </a:extLst>
+          </p:cNvPr>
+          <p:cNvSpPr>
+            <a:spLocks noGrp="1"/>
+          </p:cNvSpPr>
+          <p:nvPr>
+            <p:ph type="title"/>
+          </p:nvPr>
+        </p:nvSpPr>
+        <p:spPr/>
+        <p:txBody>
+          <a:bodyPr/>
+          <a:lstStyle/>
+          <a:p>
+            <a:r>
+              <a:rPr lang="en-US" dirty="0"/>
+              <a:t>Final Comments</a:t>
+            </a:r>
+          </a:p>
+        </p:txBody>
+      </p:sp>
+      <p:sp>
+        <p:nvSpPr>
+          <p:cNvPr id="3" name="Content Placeholder 2">
+            <a:extLst>
+              <a:ext uri="{FF2B5EF4-FFF2-40B4-BE49-F238E27FC236}">
+                <a16:creationId xmlns:a16="http://schemas.microsoft.com/office/drawing/2014/main" id="{F30CDD54-95A5-992E-DC07-71E6C8C2F381}"/>
+              </a:ext>
+            </a:extLst>
+          </p:cNvPr>
+          <p:cNvSpPr>
+            <a:spLocks noGrp="1"/>
+          </p:cNvSpPr>
+          <p:nvPr>
+            <p:ph idx="1"/>
+          </p:nvPr>
+        </p:nvSpPr>
+        <p:spPr>
+          <a:xfrm>
+            <a:off x="762000" y="1371600"/>
+            <a:ext cx="7696200" cy="4572000"/>
+          </a:xfrm>
+        </p:spPr>
+        <p:txBody>
+          <a:bodyPr/>
+          <a:lstStyle/>
+          <a:p>
+            <a:pPr marL="0" indent="0">
+              <a:buNone/>
+            </a:pPr>
+            <a:r>
+              <a:rPr lang="en-US" sz="2400" dirty="0"/>
+              <a:t>I am not your mother, RA, or personal trainer.  You will get out of the class what you put in. The more you put in the more you will get out. The less you put in the less you will get out. If you want motivation look at job opportunities and starting salaries for grads with AI and hardware design experience…..</a:t>
+            </a:r>
+          </a:p>
+          <a:p>
+            <a:pPr marL="0" indent="0">
+              <a:buNone/>
+            </a:pPr>
+            <a:endParaRPr lang="en-US" sz="2400" dirty="0"/>
+          </a:p>
+          <a:p>
+            <a:pPr marL="0" indent="0">
+              <a:buNone/>
+            </a:pPr>
+            <a:endParaRPr lang="en-US" sz="2400" dirty="0"/>
+          </a:p>
+          <a:p>
+            <a:pPr marL="0" indent="0">
+              <a:buNone/>
+            </a:pPr>
+            <a:r>
+              <a:rPr lang="en-US" sz="2400" dirty="0"/>
+              <a:t>I believe technology should be fun ! Lets</a:t>
+            </a:r>
+          </a:p>
+          <a:p>
+            <a:pPr marL="0" indent="0">
+              <a:buNone/>
+            </a:pPr>
+            <a:r>
+              <a:rPr lang="en-US" sz="2400" dirty="0"/>
+              <a:t>prepare you for the future while having fun doing it!</a:t>
+            </a:r>
+          </a:p>
+        </p:txBody>
+      </p:sp>
+    </p:spTree>
+    <p:extLst>
+      <p:ext uri="{BB962C8B-B14F-4D97-AF65-F5344CB8AC3E}">
+        <p14:creationId xmlns:p14="http://schemas.microsoft.com/office/powerpoint/2010/main" val="618688733"/>
       </p:ext>
     </p:extLst>
   </p:cSld>
@@ -4899,7 +5105,7 @@
                 <a:ea typeface="ＭＳ Ｐゴシック" panose="020B0600070205080204" pitchFamily="34" charset="-128"/>
                 <a:cs typeface="ＭＳ Ｐゴシック" panose="020B0600070205080204" pitchFamily="34" charset="-128"/>
               </a:rPr>
-              <a:t>What we study during the course</a:t>
+              <a:t>What will we study during the semester ?</a:t>
             </a:r>
           </a:p>
           <a:p>
@@ -4920,7 +5126,7 @@
                 <a:ea typeface="ＭＳ Ｐゴシック" panose="020B0600070205080204" pitchFamily="34" charset="-128"/>
                 <a:cs typeface="ＭＳ Ｐゴシック" panose="020B0600070205080204" pitchFamily="34" charset="-128"/>
               </a:rPr>
-              <a:t>What will be your involvement</a:t>
+              <a:t>What will be your involvement ?</a:t>
             </a:r>
           </a:p>
           <a:p>
@@ -4941,7 +5147,7 @@
                 <a:ea typeface="ＭＳ Ｐゴシック" panose="020B0600070205080204" pitchFamily="34" charset="-128"/>
                 <a:cs typeface="ＭＳ Ｐゴシック" panose="020B0600070205080204" pitchFamily="34" charset="-128"/>
               </a:rPr>
-              <a:t>How you will be graded</a:t>
+              <a:t>How will you be graded ?</a:t>
             </a:r>
           </a:p>
           <a:p>
@@ -6746,6 +6952,92 @@
           </a:graphicData>
         </a:graphic>
       </p:graphicFrame>
+      <p:sp>
+        <p:nvSpPr>
+          <p:cNvPr id="2" name="TextBox 1">
+            <a:extLst>
+              <a:ext uri="{FF2B5EF4-FFF2-40B4-BE49-F238E27FC236}">
+                <a16:creationId xmlns:a16="http://schemas.microsoft.com/office/drawing/2014/main" id="{71EB7FC4-28B6-9551-22F7-4B6F440B659B}"/>
+              </a:ext>
+            </a:extLst>
+          </p:cNvPr>
+          <p:cNvSpPr txBox="1"/>
+          <p:nvPr/>
+        </p:nvSpPr>
+        <p:spPr>
+          <a:xfrm>
+            <a:off x="1481959" y="5055476"/>
+            <a:ext cx="1887055" cy="461665"/>
+          </a:xfrm>
+          <a:prstGeom prst="rect">
+            <a:avLst/>
+          </a:prstGeom>
+          <a:noFill/>
+        </p:spPr>
+        <p:txBody>
+          <a:bodyPr wrap="none" rtlCol="0">
+            <a:spAutoFit/>
+          </a:bodyPr>
+          <a:lstStyle/>
+          <a:p>
+            <a:r>
+              <a:rPr lang="en-US" dirty="0" err="1"/>
+              <a:t>femto</a:t>
+            </a:r>
+            <a:r>
+              <a:rPr lang="en-US" dirty="0"/>
+              <a:t>  = 10</a:t>
+            </a:r>
+            <a:r>
+              <a:rPr lang="en-US" baseline="30000" dirty="0"/>
+              <a:t>-15</a:t>
+            </a:r>
+          </a:p>
+        </p:txBody>
+      </p:sp>
+      <p:sp>
+        <p:nvSpPr>
+          <p:cNvPr id="3" name="TextBox 2">
+            <a:extLst>
+              <a:ext uri="{FF2B5EF4-FFF2-40B4-BE49-F238E27FC236}">
+                <a16:creationId xmlns:a16="http://schemas.microsoft.com/office/drawing/2014/main" id="{6AD3987A-8B31-1B84-1AA5-203AB36FD9E1}"/>
+              </a:ext>
+            </a:extLst>
+          </p:cNvPr>
+          <p:cNvSpPr txBox="1"/>
+          <p:nvPr/>
+        </p:nvSpPr>
+        <p:spPr>
+          <a:xfrm>
+            <a:off x="1473015" y="5558135"/>
+            <a:ext cx="1930337" cy="461665"/>
+          </a:xfrm>
+          <a:prstGeom prst="rect">
+            <a:avLst/>
+          </a:prstGeom>
+          <a:noFill/>
+        </p:spPr>
+        <p:txBody>
+          <a:bodyPr wrap="none" rtlCol="0">
+            <a:spAutoFit/>
+          </a:bodyPr>
+          <a:lstStyle/>
+          <a:p>
+            <a:r>
+              <a:rPr lang="en-US" dirty="0" err="1"/>
+              <a:t>pico</a:t>
+            </a:r>
+            <a:r>
+              <a:rPr lang="en-US" dirty="0"/>
+              <a:t>     = 10</a:t>
+            </a:r>
+            <a:r>
+              <a:rPr lang="en-US" baseline="30000" dirty="0"/>
+              <a:t>-12</a:t>
+            </a:r>
+          </a:p>
+        </p:txBody>
+      </p:sp>
     </p:spTree>
     <p:extLst>
       <p:ext uri="{BB962C8B-B14F-4D97-AF65-F5344CB8AC3E}">
